--- a/Documents/Poster/IRD_Poster01.pptx
+++ b/Documents/Poster/IRD_Poster01.pptx
@@ -7656,10 +7656,6 @@
               <a:rPr lang="en-US" sz="8000" dirty="0" smtClean="0"/>
               <a:t>Paradigms</a:t>
             </a:r>
-            <a:r>
-              <a:rPr lang="en-US" sz="8000" dirty="0" smtClean="0"/>
-              <a:t> </a:t>
-            </a:r>
             <a:endParaRPr lang="en-US" sz="8000" dirty="0" smtClean="0"/>
           </a:p>
           <a:p>
@@ -8184,6 +8180,70 @@
           </a:graphicData>
         </a:graphic>
       </p:graphicFrame>
+      <p:pic>
+        <p:nvPicPr>
+          <p:cNvPr id="3" name="Picture 2" descr="Scorer - Page-1.png"/>
+          <p:cNvPicPr>
+            <a:picLocks noChangeAspect="1"/>
+          </p:cNvPicPr>
+          <p:nvPr/>
+        </p:nvPicPr>
+        <p:blipFill rotWithShape="1">
+          <a:blip r:embed="rId9" cstate="print">
+            <a:extLst>
+              <a:ext uri="{28A0092B-C50C-407E-A947-70E740481C1C}">
+                <a14:useLocalDpi xmlns:a14="http://schemas.microsoft.com/office/drawing/2010/main" val="0"/>
+              </a:ext>
+            </a:extLst>
+          </a:blip>
+          <a:srcRect l="14160" t="20117" r="5776" b="19695"/>
+          <a:stretch/>
+        </p:blipFill>
+        <p:spPr>
+          <a:xfrm>
+            <a:off x="12578406" y="16680138"/>
+            <a:ext cx="11618796" cy="11303545"/>
+          </a:xfrm>
+          <a:prstGeom prst="rect">
+            <a:avLst/>
+          </a:prstGeom>
+          <a:solidFill>
+            <a:schemeClr val="bg1"/>
+          </a:solidFill>
+        </p:spPr>
+      </p:pic>
+      <p:pic>
+        <p:nvPicPr>
+          <p:cNvPr id="4" name="Picture 3" descr="Future Plan - New Page.png"/>
+          <p:cNvPicPr>
+            <a:picLocks noChangeAspect="1"/>
+          </p:cNvPicPr>
+          <p:nvPr/>
+        </p:nvPicPr>
+        <p:blipFill rotWithShape="1">
+          <a:blip r:embed="rId10" cstate="print">
+            <a:extLst>
+              <a:ext uri="{28A0092B-C50C-407E-A947-70E740481C1C}">
+                <a14:useLocalDpi xmlns:a14="http://schemas.microsoft.com/office/drawing/2010/main" val="0"/>
+              </a:ext>
+            </a:extLst>
+          </a:blip>
+          <a:srcRect l="31961" t="8475" r="25918" b="38497"/>
+          <a:stretch/>
+        </p:blipFill>
+        <p:spPr>
+          <a:xfrm>
+            <a:off x="25061872" y="16682447"/>
+            <a:ext cx="6925194" cy="11282686"/>
+          </a:xfrm>
+          <a:prstGeom prst="rect">
+            <a:avLst/>
+          </a:prstGeom>
+          <a:solidFill>
+            <a:schemeClr val="bg1"/>
+          </a:solidFill>
+        </p:spPr>
+      </p:pic>
     </p:spTree>
     <p:extLst>
       <p:ext uri="{BB962C8B-B14F-4D97-AF65-F5344CB8AC3E}">

--- a/Documents/Poster/IRD_Poster01.pptx
+++ b/Documents/Poster/IRD_Poster01.pptx
@@ -106,7 +106,7 @@
   </p:defaultTextStyle>
   <p:extLst>
     <p:ext uri="{EFAFB233-063F-42B5-8137-9DF3F51BA10A}">
-      <p15:sldGuideLst xmlns:p15="http://schemas.microsoft.com/office/powerpoint/2012/main" xmlns="">
+      <p15:sldGuideLst xmlns="" xmlns:p15="http://schemas.microsoft.com/office/powerpoint/2012/main">
         <p15:guide id="1" orient="horz" pos="11712" userDrawn="1">
           <p15:clr>
             <a:srgbClr val="A4A3A4"/>
@@ -897,11 +897,7 @@
         <a:p>
           <a:r>
             <a:rPr lang="en-US" dirty="0" smtClean="0"/>
-            <a:t>Step 1: </a:t>
-          </a:r>
-          <a:r>
-            <a:rPr lang="en-US" dirty="0" smtClean="0"/>
-            <a:t>Gathering Information</a:t>
+            <a:t>Step 1: Gathering Information</a:t>
           </a:r>
           <a:endParaRPr lang="en-US" dirty="0"/>
         </a:p>
@@ -975,11 +971,7 @@
         <a:p>
           <a:r>
             <a:rPr lang="en-US" dirty="0" smtClean="0"/>
-            <a:t>Step 2: </a:t>
-          </a:r>
-          <a:r>
-            <a:rPr lang="en-US" dirty="0" smtClean="0"/>
-            <a:t>Mapping Complexity</a:t>
+            <a:t>Step 2: Mapping Complexity</a:t>
           </a:r>
           <a:endParaRPr lang="en-US" dirty="0"/>
         </a:p>
@@ -1016,11 +1008,7 @@
         <a:p>
           <a:r>
             <a:rPr lang="en-US" dirty="0" smtClean="0"/>
-            <a:t>Statically analyze </a:t>
-          </a:r>
-          <a:r>
-            <a:rPr lang="en-US" dirty="0" smtClean="0"/>
-            <a:t>the musical elements of a piece and map them to the specified difficulties.</a:t>
+            <a:t>Statically analyze the musical elements of a piece and map them to the specified difficulties.</a:t>
           </a:r>
           <a:endParaRPr lang="en-US" dirty="0"/>
         </a:p>
@@ -1057,11 +1045,7 @@
         <a:p>
           <a:r>
             <a:rPr lang="en-US" dirty="0" smtClean="0"/>
-            <a:t>Step 3: </a:t>
-          </a:r>
-          <a:r>
-            <a:rPr lang="en-US" dirty="0" smtClean="0"/>
-            <a:t>Passing Data</a:t>
+            <a:t>Step 3: Passing Data</a:t>
           </a:r>
           <a:endParaRPr lang="en-US" dirty="0"/>
         </a:p>
@@ -1135,11 +1119,7 @@
         <a:p>
           <a:r>
             <a:rPr lang="en-US" dirty="0" smtClean="0"/>
-            <a:t>Step 4: </a:t>
-          </a:r>
-          <a:r>
-            <a:rPr lang="en-US" dirty="0" smtClean="0"/>
-            <a:t>Revealing Insights</a:t>
+            <a:t>Step 4: Revealing Insights</a:t>
           </a:r>
           <a:endParaRPr lang="en-US" dirty="0"/>
         </a:p>
@@ -1423,23 +1403,23 @@
     </dgm:pt>
   </dgm:ptLst>
   <dgm:cxnLst>
-    <dgm:cxn modelId="{146EDF1F-6062-4999-83CF-B8B930A949B7}" type="presOf" srcId="{9B782E9D-4363-4B27-9FC0-F0AA7C2A297A}" destId="{572FE958-2490-4ECD-B878-0019DB67CF69}" srcOrd="0" destOrd="0" presId="urn:diagrams.loki3.com/BracketList"/>
-    <dgm:cxn modelId="{91F90453-D0F4-42F0-9AA4-D0714A1DA497}" srcId="{9B782E9D-4363-4B27-9FC0-F0AA7C2A297A}" destId="{E7D12089-2F0A-45E8-8895-B1C32DA5BDFF}" srcOrd="3" destOrd="0" parTransId="{8D9FA97D-DDB3-4DD1-8E15-48668F07B85C}" sibTransId="{3C4C58F4-F565-49A8-8104-AD9B2F374F0E}"/>
-    <dgm:cxn modelId="{D29F914E-5CBA-4D14-A833-0AD022A5A725}" srcId="{9B782E9D-4363-4B27-9FC0-F0AA7C2A297A}" destId="{C5A515D1-BF81-48EE-B69A-0C71BF5170EE}" srcOrd="2" destOrd="0" parTransId="{806788D9-DB4B-40F6-83D2-C624955CAFC3}" sibTransId="{0F2E8847-32EB-40FF-8940-BCB0DE8B5C16}"/>
-    <dgm:cxn modelId="{C11537B5-CFCF-468D-A148-A719BE1BC5B4}" type="presOf" srcId="{C5A515D1-BF81-48EE-B69A-0C71BF5170EE}" destId="{44B3A144-6F78-4180-9DAD-AEDA5B09F7AB}" srcOrd="0" destOrd="0" presId="urn:diagrams.loki3.com/BracketList"/>
+    <dgm:cxn modelId="{DDB8B20C-8A75-4BE2-A061-B094F86F011C}" srcId="{9B782E9D-4363-4B27-9FC0-F0AA7C2A297A}" destId="{19C23CB9-D2FF-4738-945A-0B935497AF4D}" srcOrd="0" destOrd="0" parTransId="{D053A305-FB39-40C8-A707-0C5B842B8567}" sibTransId="{8739C896-8E13-4FF1-BCB3-DAEE0F165B70}"/>
+    <dgm:cxn modelId="{B0511285-F79D-4EAE-8025-6B044567F53E}" type="presOf" srcId="{19C23CB9-D2FF-4738-945A-0B935497AF4D}" destId="{E29629F4-844A-4DBF-8D50-1443BC72542A}" srcOrd="0" destOrd="0" presId="urn:diagrams.loki3.com/BracketList"/>
+    <dgm:cxn modelId="{90E338BA-937E-436F-960A-8F0DFDB6CFC5}" srcId="{3B3910AA-1A0F-4503-98CA-6EF297BF0FAA}" destId="{65E0FE40-0E11-454A-B6B1-5612F4AA7CC3}" srcOrd="0" destOrd="0" parTransId="{34734AA0-8CE6-4AE6-B893-B896DFAAB70A}" sibTransId="{6917D946-9507-4199-972F-537CE538D49D}"/>
+    <dgm:cxn modelId="{BDAE583D-A5C5-4CEC-8024-B71CB6DC6ED9}" type="presOf" srcId="{3B3910AA-1A0F-4503-98CA-6EF297BF0FAA}" destId="{54E8410A-B97D-49B9-A453-3F2DCAFFBC79}" srcOrd="0" destOrd="0" presId="urn:diagrams.loki3.com/BracketList"/>
     <dgm:cxn modelId="{6DD96990-F46D-442C-80F1-EFB883165B37}" type="presOf" srcId="{4A405C09-125F-4B15-BD7C-89BA3701FB14}" destId="{F37F45AA-3EA9-4F4D-ACC0-68C75260DDC1}" srcOrd="0" destOrd="0" presId="urn:diagrams.loki3.com/BracketList"/>
     <dgm:cxn modelId="{0580FAB2-C4B7-42FA-9F28-2905394787D1}" type="presOf" srcId="{5223EB74-08EE-44A3-BB82-5894DB8CA90C}" destId="{3BB118F2-CA68-487A-AFE6-AC8E69DC36A5}" srcOrd="0" destOrd="0" presId="urn:diagrams.loki3.com/BracketList"/>
+    <dgm:cxn modelId="{6B3B8A39-2803-4A0E-BE2E-8C754F5376DF}" srcId="{19C23CB9-D2FF-4738-945A-0B935497AF4D}" destId="{4A405C09-125F-4B15-BD7C-89BA3701FB14}" srcOrd="0" destOrd="0" parTransId="{889FA681-FB76-4196-BAAC-C5E5AB60E3E8}" sibTransId="{4A1D51AB-0D58-4F6E-AD3A-5B21DE56621A}"/>
     <dgm:cxn modelId="{43C0E373-A4FD-4902-A05C-65E2327F51D4}" type="presOf" srcId="{65E0FE40-0E11-454A-B6B1-5612F4AA7CC3}" destId="{8F8999BA-3C8C-489C-9C0A-32D7AB1AEB32}" srcOrd="0" destOrd="0" presId="urn:diagrams.loki3.com/BracketList"/>
-    <dgm:cxn modelId="{6B3B8A39-2803-4A0E-BE2E-8C754F5376DF}" srcId="{19C23CB9-D2FF-4738-945A-0B935497AF4D}" destId="{4A405C09-125F-4B15-BD7C-89BA3701FB14}" srcOrd="0" destOrd="0" parTransId="{889FA681-FB76-4196-BAAC-C5E5AB60E3E8}" sibTransId="{4A1D51AB-0D58-4F6E-AD3A-5B21DE56621A}"/>
-    <dgm:cxn modelId="{BDAE583D-A5C5-4CEC-8024-B71CB6DC6ED9}" type="presOf" srcId="{3B3910AA-1A0F-4503-98CA-6EF297BF0FAA}" destId="{54E8410A-B97D-49B9-A453-3F2DCAFFBC79}" srcOrd="0" destOrd="0" presId="urn:diagrams.loki3.com/BracketList"/>
+    <dgm:cxn modelId="{9F849F35-2213-46BD-B460-577E0BBC84A7}" type="presOf" srcId="{E7D12089-2F0A-45E8-8895-B1C32DA5BDFF}" destId="{BD7628EE-9705-475C-8391-676E29DE4168}" srcOrd="0" destOrd="0" presId="urn:diagrams.loki3.com/BracketList"/>
     <dgm:cxn modelId="{8D851E7C-AFCB-4361-A41E-57DD150CC9F6}" srcId="{C5A515D1-BF81-48EE-B69A-0C71BF5170EE}" destId="{5223EB74-08EE-44A3-BB82-5894DB8CA90C}" srcOrd="0" destOrd="0" parTransId="{DBD3BD88-ADF2-4858-A92D-CDA82E8190BC}" sibTransId="{D8117939-BA56-48D2-AB74-550B01B30C1D}"/>
-    <dgm:cxn modelId="{90E338BA-937E-436F-960A-8F0DFDB6CFC5}" srcId="{3B3910AA-1A0F-4503-98CA-6EF297BF0FAA}" destId="{65E0FE40-0E11-454A-B6B1-5612F4AA7CC3}" srcOrd="0" destOrd="0" parTransId="{34734AA0-8CE6-4AE6-B893-B896DFAAB70A}" sibTransId="{6917D946-9507-4199-972F-537CE538D49D}"/>
-    <dgm:cxn modelId="{DDB8B20C-8A75-4BE2-A061-B094F86F011C}" srcId="{9B782E9D-4363-4B27-9FC0-F0AA7C2A297A}" destId="{19C23CB9-D2FF-4738-945A-0B935497AF4D}" srcOrd="0" destOrd="0" parTransId="{D053A305-FB39-40C8-A707-0C5B842B8567}" sibTransId="{8739C896-8E13-4FF1-BCB3-DAEE0F165B70}"/>
     <dgm:cxn modelId="{E1BADA0E-3AFE-4478-B8B0-B2217429737F}" srcId="{E7D12089-2F0A-45E8-8895-B1C32DA5BDFF}" destId="{1195BC80-21D2-4A2A-B7DA-6DB28EF1C292}" srcOrd="0" destOrd="0" parTransId="{00E0E3AC-2786-45BC-9447-C848A876BA4C}" sibTransId="{0E5DB167-7870-4320-BC41-C6A3A18F02EC}"/>
+    <dgm:cxn modelId="{C11537B5-CFCF-468D-A148-A719BE1BC5B4}" type="presOf" srcId="{C5A515D1-BF81-48EE-B69A-0C71BF5170EE}" destId="{44B3A144-6F78-4180-9DAD-AEDA5B09F7AB}" srcOrd="0" destOrd="0" presId="urn:diagrams.loki3.com/BracketList"/>
+    <dgm:cxn modelId="{D29F914E-5CBA-4D14-A833-0AD022A5A725}" srcId="{9B782E9D-4363-4B27-9FC0-F0AA7C2A297A}" destId="{C5A515D1-BF81-48EE-B69A-0C71BF5170EE}" srcOrd="2" destOrd="0" parTransId="{806788D9-DB4B-40F6-83D2-C624955CAFC3}" sibTransId="{0F2E8847-32EB-40FF-8940-BCB0DE8B5C16}"/>
+    <dgm:cxn modelId="{2A5D69FD-2BA2-451D-A8E0-500FCAF82C0B}" srcId="{9B782E9D-4363-4B27-9FC0-F0AA7C2A297A}" destId="{3B3910AA-1A0F-4503-98CA-6EF297BF0FAA}" srcOrd="1" destOrd="0" parTransId="{285D4055-44AE-4406-B363-35AF358CCC71}" sibTransId="{73AC7E80-1A14-474D-9E4E-C93C90F35DF3}"/>
+    <dgm:cxn modelId="{146EDF1F-6062-4999-83CF-B8B930A949B7}" type="presOf" srcId="{9B782E9D-4363-4B27-9FC0-F0AA7C2A297A}" destId="{572FE958-2490-4ECD-B878-0019DB67CF69}" srcOrd="0" destOrd="0" presId="urn:diagrams.loki3.com/BracketList"/>
     <dgm:cxn modelId="{2B7D18BD-DF63-4CF6-95AF-4F63A0DFF562}" type="presOf" srcId="{1195BC80-21D2-4A2A-B7DA-6DB28EF1C292}" destId="{8C96D3CD-492D-450C-9781-4A1821515EBE}" srcOrd="0" destOrd="0" presId="urn:diagrams.loki3.com/BracketList"/>
-    <dgm:cxn modelId="{9F849F35-2213-46BD-B460-577E0BBC84A7}" type="presOf" srcId="{E7D12089-2F0A-45E8-8895-B1C32DA5BDFF}" destId="{BD7628EE-9705-475C-8391-676E29DE4168}" srcOrd="0" destOrd="0" presId="urn:diagrams.loki3.com/BracketList"/>
-    <dgm:cxn modelId="{B0511285-F79D-4EAE-8025-6B044567F53E}" type="presOf" srcId="{19C23CB9-D2FF-4738-945A-0B935497AF4D}" destId="{E29629F4-844A-4DBF-8D50-1443BC72542A}" srcOrd="0" destOrd="0" presId="urn:diagrams.loki3.com/BracketList"/>
-    <dgm:cxn modelId="{2A5D69FD-2BA2-451D-A8E0-500FCAF82C0B}" srcId="{9B782E9D-4363-4B27-9FC0-F0AA7C2A297A}" destId="{3B3910AA-1A0F-4503-98CA-6EF297BF0FAA}" srcOrd="1" destOrd="0" parTransId="{285D4055-44AE-4406-B363-35AF358CCC71}" sibTransId="{73AC7E80-1A14-474D-9E4E-C93C90F35DF3}"/>
+    <dgm:cxn modelId="{91F90453-D0F4-42F0-9AA4-D0714A1DA497}" srcId="{9B782E9D-4363-4B27-9FC0-F0AA7C2A297A}" destId="{E7D12089-2F0A-45E8-8895-B1C32DA5BDFF}" srcOrd="3" destOrd="0" parTransId="{8D9FA97D-DDB3-4DD1-8E15-48668F07B85C}" sibTransId="{3C4C58F4-F565-49A8-8104-AD9B2F374F0E}"/>
     <dgm:cxn modelId="{90839FB6-472D-4729-A2FD-9D7FF7A400FC}" type="presParOf" srcId="{572FE958-2490-4ECD-B878-0019DB67CF69}" destId="{A3E5EDDB-38D2-43D6-B77A-5D68A655F728}" srcOrd="0" destOrd="0" presId="urn:diagrams.loki3.com/BracketList"/>
     <dgm:cxn modelId="{081D3029-739D-48F4-819F-62B5F57609CD}" type="presParOf" srcId="{A3E5EDDB-38D2-43D6-B77A-5D68A655F728}" destId="{E29629F4-844A-4DBF-8D50-1443BC72542A}" srcOrd="0" destOrd="0" presId="urn:diagrams.loki3.com/BracketList"/>
     <dgm:cxn modelId="{4D74CC66-AE82-47BE-B144-BAD96314C952}" type="presParOf" srcId="{A3E5EDDB-38D2-43D6-B77A-5D68A655F728}" destId="{4DB24191-B9F4-468D-95A8-0AE3310E746E}" srcOrd="1" destOrd="0" presId="urn:diagrams.loki3.com/BracketList"/>
@@ -1535,11 +1515,7 @@
           </a:pPr>
           <a:r>
             <a:rPr lang="en-US" sz="4100" kern="1200" dirty="0" smtClean="0"/>
-            <a:t>Step 1: </a:t>
-          </a:r>
-          <a:r>
-            <a:rPr lang="en-US" sz="4100" kern="1200" dirty="0" smtClean="0"/>
-            <a:t>Gathering Information</a:t>
+            <a:t>Step 1: Gathering Information</a:t>
           </a:r>
           <a:endParaRPr lang="en-US" sz="4100" kern="1200" dirty="0"/>
         </a:p>
@@ -1723,11 +1699,7 @@
           </a:pPr>
           <a:r>
             <a:rPr lang="en-US" sz="4100" kern="1200" dirty="0" smtClean="0"/>
-            <a:t>Step 2: </a:t>
-          </a:r>
-          <a:r>
-            <a:rPr lang="en-US" sz="4100" kern="1200" dirty="0" smtClean="0"/>
-            <a:t>Mapping Complexity</a:t>
+            <a:t>Step 2: Mapping Complexity</a:t>
           </a:r>
           <a:endParaRPr lang="en-US" sz="4100" kern="1200" dirty="0"/>
         </a:p>
@@ -1851,11 +1823,7 @@
           </a:pPr>
           <a:r>
             <a:rPr lang="en-US" sz="4100" kern="1200" dirty="0" smtClean="0"/>
-            <a:t>Statically analyze </a:t>
-          </a:r>
-          <a:r>
-            <a:rPr lang="en-US" sz="4100" kern="1200" dirty="0" smtClean="0"/>
-            <a:t>the musical elements of a piece and map them to the specified difficulties.</a:t>
+            <a:t>Statically analyze the musical elements of a piece and map them to the specified difficulties.</a:t>
           </a:r>
           <a:endParaRPr lang="en-US" sz="4100" kern="1200" dirty="0"/>
         </a:p>
@@ -1915,11 +1883,7 @@
           </a:pPr>
           <a:r>
             <a:rPr lang="en-US" sz="4100" kern="1200" dirty="0" smtClean="0"/>
-            <a:t>Step 3: </a:t>
-          </a:r>
-          <a:r>
-            <a:rPr lang="en-US" sz="4100" kern="1200" dirty="0" smtClean="0"/>
-            <a:t>Passing Data</a:t>
+            <a:t>Step 3: Passing Data</a:t>
           </a:r>
           <a:endParaRPr lang="en-US" sz="4100" kern="1200" dirty="0"/>
         </a:p>
@@ -2103,11 +2067,7 @@
           </a:pPr>
           <a:r>
             <a:rPr lang="en-US" sz="4100" kern="1200" dirty="0" smtClean="0"/>
-            <a:t>Step 4: </a:t>
-          </a:r>
-          <a:r>
-            <a:rPr lang="en-US" sz="4100" kern="1200" dirty="0" smtClean="0"/>
-            <a:t>Revealing Insights</a:t>
+            <a:t>Step 4: Revealing Insights</a:t>
           </a:r>
           <a:endParaRPr lang="en-US" sz="4100" kern="1200" dirty="0"/>
         </a:p>
@@ -3631,7 +3591,7 @@
           <a:p>
             <a:fld id="{3932A18B-CA16-46E3-BDB4-8DEE70D698F4}" type="datetimeFigureOut">
               <a:rPr lang="en-US" smtClean="0"/>
-              <a:t>2/8/15</a:t>
+              <a:t>2/10/15</a:t>
             </a:fld>
             <a:endParaRPr lang="en-US"/>
           </a:p>
@@ -3801,7 +3761,7 @@
           <a:p>
             <a:fld id="{3932A18B-CA16-46E3-BDB4-8DEE70D698F4}" type="datetimeFigureOut">
               <a:rPr lang="en-US" smtClean="0"/>
-              <a:t>2/8/15</a:t>
+              <a:t>2/10/15</a:t>
             </a:fld>
             <a:endParaRPr lang="en-US"/>
           </a:p>
@@ -3981,7 +3941,7 @@
           <a:p>
             <a:fld id="{3932A18B-CA16-46E3-BDB4-8DEE70D698F4}" type="datetimeFigureOut">
               <a:rPr lang="en-US" smtClean="0"/>
-              <a:t>2/8/15</a:t>
+              <a:t>2/10/15</a:t>
             </a:fld>
             <a:endParaRPr lang="en-US"/>
           </a:p>
@@ -4151,7 +4111,7 @@
           <a:p>
             <a:fld id="{3932A18B-CA16-46E3-BDB4-8DEE70D698F4}" type="datetimeFigureOut">
               <a:rPr lang="en-US" smtClean="0"/>
-              <a:t>2/8/15</a:t>
+              <a:t>2/10/15</a:t>
             </a:fld>
             <a:endParaRPr lang="en-US"/>
           </a:p>
@@ -4395,7 +4355,7 @@
           <a:p>
             <a:fld id="{3932A18B-CA16-46E3-BDB4-8DEE70D698F4}" type="datetimeFigureOut">
               <a:rPr lang="en-US" smtClean="0"/>
-              <a:t>2/8/15</a:t>
+              <a:t>2/10/15</a:t>
             </a:fld>
             <a:endParaRPr lang="en-US"/>
           </a:p>
@@ -4627,7 +4587,7 @@
           <a:p>
             <a:fld id="{3932A18B-CA16-46E3-BDB4-8DEE70D698F4}" type="datetimeFigureOut">
               <a:rPr lang="en-US" smtClean="0"/>
-              <a:t>2/8/15</a:t>
+              <a:t>2/10/15</a:t>
             </a:fld>
             <a:endParaRPr lang="en-US"/>
           </a:p>
@@ -4994,7 +4954,7 @@
           <a:p>
             <a:fld id="{3932A18B-CA16-46E3-BDB4-8DEE70D698F4}" type="datetimeFigureOut">
               <a:rPr lang="en-US" smtClean="0"/>
-              <a:t>2/8/15</a:t>
+              <a:t>2/10/15</a:t>
             </a:fld>
             <a:endParaRPr lang="en-US"/>
           </a:p>
@@ -5112,7 +5072,7 @@
           <a:p>
             <a:fld id="{3932A18B-CA16-46E3-BDB4-8DEE70D698F4}" type="datetimeFigureOut">
               <a:rPr lang="en-US" smtClean="0"/>
-              <a:t>2/8/15</a:t>
+              <a:t>2/10/15</a:t>
             </a:fld>
             <a:endParaRPr lang="en-US"/>
           </a:p>
@@ -5207,7 +5167,7 @@
           <a:p>
             <a:fld id="{3932A18B-CA16-46E3-BDB4-8DEE70D698F4}" type="datetimeFigureOut">
               <a:rPr lang="en-US" smtClean="0"/>
-              <a:t>2/8/15</a:t>
+              <a:t>2/10/15</a:t>
             </a:fld>
             <a:endParaRPr lang="en-US"/>
           </a:p>
@@ -5484,7 +5444,7 @@
           <a:p>
             <a:fld id="{3932A18B-CA16-46E3-BDB4-8DEE70D698F4}" type="datetimeFigureOut">
               <a:rPr lang="en-US" smtClean="0"/>
-              <a:t>2/8/15</a:t>
+              <a:t>2/10/15</a:t>
             </a:fld>
             <a:endParaRPr lang="en-US"/>
           </a:p>
@@ -5741,7 +5701,7 @@
           <a:p>
             <a:fld id="{3932A18B-CA16-46E3-BDB4-8DEE70D698F4}" type="datetimeFigureOut">
               <a:rPr lang="en-US" smtClean="0"/>
-              <a:t>2/8/15</a:t>
+              <a:t>2/10/15</a:t>
             </a:fld>
             <a:endParaRPr lang="en-US"/>
           </a:p>
@@ -5954,7 +5914,7 @@
           <a:p>
             <a:fld id="{3932A18B-CA16-46E3-BDB4-8DEE70D698F4}" type="datetimeFigureOut">
               <a:rPr lang="en-US" smtClean="0"/>
-              <a:t>2/8/15</a:t>
+              <a:t>2/10/15</a:t>
             </a:fld>
             <a:endParaRPr lang="en-US"/>
           </a:p>
@@ -6538,7 +6498,7 @@
         <p:spPr>
           <a:xfrm>
             <a:off x="0" y="29260800"/>
-            <a:ext cx="8229600" cy="12104544"/>
+            <a:ext cx="8229600" cy="11181215"/>
           </a:xfrm>
           <a:prstGeom prst="rect">
             <a:avLst/>
@@ -6596,7 +6556,7 @@
                   <a:prstClr val="black"/>
                 </a:solidFill>
               </a:rPr>
-              <a:t> for certain key musical elements.</a:t>
+              <a:t> for musical elements.</a:t>
             </a:r>
             <a:endParaRPr lang="en-US" sz="6000" dirty="0">
               <a:solidFill>
@@ -7129,7 +7089,6 @@
               <a:rPr lang="en-US" sz="6000" dirty="0" smtClean="0"/>
               <a:t>Current methods of scoring are subjective and are often inaccurate.</a:t>
             </a:r>
-            <a:endParaRPr lang="en-US" sz="6000" dirty="0" smtClean="0"/>
           </a:p>
           <a:p>
             <a:pPr marL="457200" indent="-457200">
@@ -7138,13 +7097,8 @@
             </a:pPr>
             <a:r>
               <a:rPr lang="en-US" sz="6000" dirty="0" smtClean="0"/>
-              <a:t>Users </a:t>
-            </a:r>
-            <a:r>
-              <a:rPr lang="en-US" sz="6000" dirty="0" smtClean="0"/>
-              <a:t>need a simple tool to quickly expose the underlying complexity of a piece automatically.</a:t>
-            </a:r>
-            <a:endParaRPr lang="en-US" sz="6000" dirty="0" smtClean="0"/>
+              <a:t>Users need a simple tool to quickly expose the underlying complexity of a piece automatically.</a:t>
+            </a:r>
           </a:p>
         </p:txBody>
       </p:sp>
@@ -7656,28 +7610,19 @@
               <a:rPr lang="en-US" sz="8000" dirty="0" smtClean="0"/>
               <a:t>Paradigms</a:t>
             </a:r>
-            <a:endParaRPr lang="en-US" sz="8000" dirty="0" smtClean="0"/>
           </a:p>
           <a:p>
             <a:pPr algn="ctr"/>
             <a:r>
               <a:rPr lang="en-US" dirty="0" smtClean="0"/>
-              <a:t>Ethan </a:t>
-            </a:r>
+              <a:t>Ethan Holder</a:t>
+            </a:r>
+          </a:p>
+          <a:p>
+            <a:pPr algn="ctr"/>
             <a:r>
               <a:rPr lang="en-US" dirty="0" smtClean="0"/>
-              <a:t>Holder</a:t>
-            </a:r>
-          </a:p>
-          <a:p>
-            <a:pPr algn="ctr"/>
-            <a:r>
-              <a:rPr lang="en-US" dirty="0" smtClean="0"/>
-              <a:t>Advisors: </a:t>
-            </a:r>
-            <a:r>
-              <a:rPr lang="en-US" dirty="0" smtClean="0"/>
-              <a:t>Dr. Eli </a:t>
+              <a:t>Advisors: Dr. Eli </a:t>
             </a:r>
             <a:r>
               <a:rPr lang="en-US" dirty="0" err="1" smtClean="0"/>
@@ -7738,7 +7683,6 @@
               <a:rPr lang="en-US" dirty="0" smtClean="0"/>
               <a:t>Inspiration</a:t>
             </a:r>
-            <a:endParaRPr lang="en-US" dirty="0" smtClean="0"/>
           </a:p>
         </p:txBody>
       </p:sp>
@@ -7793,7 +7737,7 @@
         <p:spPr>
           <a:xfrm>
             <a:off x="16459200" y="29260800"/>
-            <a:ext cx="8229600" cy="10257885"/>
+            <a:ext cx="8229600" cy="9334555"/>
           </a:xfrm>
           <a:prstGeom prst="rect">
             <a:avLst/>
@@ -7823,11 +7767,7 @@
             </a:pPr>
             <a:r>
               <a:rPr lang="en-US" sz="6000" dirty="0" smtClean="0"/>
-              <a:t>Can </a:t>
-            </a:r>
-            <a:r>
-              <a:rPr lang="en-US" sz="6000" dirty="0" smtClean="0"/>
-              <a:t>analyze </a:t>
+              <a:t>Can analyze </a:t>
             </a:r>
             <a:r>
               <a:rPr lang="en-US" sz="6000" dirty="0" err="1" smtClean="0"/>
@@ -7846,7 +7786,7 @@
             </a:pPr>
             <a:r>
               <a:rPr lang="en-US" sz="6000" dirty="0" smtClean="0"/>
-              <a:t>Limited instrument difficulty settings currently.</a:t>
+              <a:t>Limited instrument difficulty settings.</a:t>
             </a:r>
             <a:endParaRPr lang="en-US" sz="6000" dirty="0"/>
           </a:p>
@@ -7872,7 +7812,7 @@
         <p:spPr>
           <a:xfrm>
             <a:off x="24688800" y="29296740"/>
-            <a:ext cx="8229600" cy="10257885"/>
+            <a:ext cx="8229600" cy="9334555"/>
           </a:xfrm>
           <a:prstGeom prst="rect">
             <a:avLst/>
@@ -7910,9 +7850,8 @@
             </a:r>
             <a:r>
               <a:rPr lang="en-US" sz="6000" dirty="0" smtClean="0"/>
-              <a:t> to support scanning PDF scores.</a:t>
-            </a:r>
-            <a:endParaRPr lang="en-US" sz="6000" dirty="0" smtClean="0"/>
+              <a:t> to support PDF scores.</a:t>
+            </a:r>
           </a:p>
           <a:p>
             <a:pPr marL="457200" indent="-457200">
@@ -7928,13 +7867,8 @@
             <a:pPr marL="457200"/>
             <a:r>
               <a:rPr lang="en-US" sz="6000" dirty="0" smtClean="0"/>
-              <a:t>of </a:t>
-            </a:r>
-            <a:r>
-              <a:rPr lang="en-US" sz="6000" dirty="0" smtClean="0"/>
-              <a:t>instruments.</a:t>
-            </a:r>
-            <a:endParaRPr lang="en-US" sz="6000" dirty="0" smtClean="0"/>
+              <a:t>of instruments.</a:t>
+            </a:r>
           </a:p>
           <a:p>
             <a:pPr marL="457200" indent="-457200">
@@ -7953,7 +7887,6 @@
               <a:rPr lang="en-US" sz="6000" dirty="0" smtClean="0"/>
               <a:t>.</a:t>
             </a:r>
-            <a:endParaRPr lang="en-US" sz="6000" dirty="0" smtClean="0"/>
           </a:p>
         </p:txBody>
       </p:sp>
@@ -8033,11 +7966,7 @@
           <a:p>
             <a:r>
               <a:rPr lang="en-US" dirty="0" smtClean="0"/>
-              <a:t>CS@</a:t>
-            </a:r>
-            <a:r>
-              <a:rPr lang="en-US" dirty="0" smtClean="0"/>
-              <a:t>VT</a:t>
+              <a:t>CS@VT</a:t>
             </a:r>
           </a:p>
         </p:txBody>
@@ -8120,8 +8049,8 @@
         </p:nvSpPr>
         <p:spPr>
           <a:xfrm>
-            <a:off x="16805793" y="8034499"/>
-            <a:ext cx="15770624" cy="5755421"/>
+            <a:off x="17147776" y="7752297"/>
+            <a:ext cx="15770624" cy="7663636"/>
           </a:xfrm>
           <a:prstGeom prst="rect">
             <a:avLst/>
@@ -8135,18 +8064,25 @@
           <a:lstStyle/>
           <a:p>
             <a:r>
-              <a:rPr lang="en-US" sz="4400" dirty="0"/>
+              <a:rPr lang="en-US" sz="5400" dirty="0"/>
               <a:t>Which piano concerto is more difficult: Rachmaninoff’s Second or Third? </a:t>
             </a:r>
             <a:r>
-              <a:rPr lang="en-US" sz="4400" dirty="0" smtClean="0"/>
+              <a:rPr lang="en-US" sz="5400" dirty="0" smtClean="0"/>
               <a:t>Performers</a:t>
             </a:r>
             <a:r>
-              <a:rPr lang="en-US" sz="4400" dirty="0"/>
-              <a:t>, band directors, educators, and publishers encounter these non-trivial questions throughout their professional careers. Currently, the only way to answer these questions in a viable way is to carefully analyze music scores by hand, a tedious, error-prone, and time-consuming process. The stakeholders at hand would rather spend their precious time on more creative pursuits. </a:t>
-            </a:r>
-            <a:endParaRPr lang="en-US" sz="4400" dirty="0"/>
+              <a:rPr lang="en-US" sz="5400" dirty="0"/>
+              <a:t>, band directors, educators, and publishers encounter these non-trivial questions throughout their professional careers. Currently, the only way to answer these questions in a viable way is to carefully analyze music scores by </a:t>
+            </a:r>
+            <a:r>
+              <a:rPr lang="en-US" sz="5400" dirty="0" smtClean="0"/>
+              <a:t>hand. Stakeholders </a:t>
+            </a:r>
+            <a:r>
+              <a:rPr lang="en-US" sz="5400" dirty="0"/>
+              <a:t>would rather spend their precious time on more creative pursuits. </a:t>
+            </a:r>
           </a:p>
           <a:p>
             <a:pPr lvl="0"/>
@@ -8519,7 +8455,7 @@
   <a:extraClrSchemeLst/>
   <a:extLst>
     <a:ext uri="{05A4C25C-085E-4340-85A3-A5531E510DB2}">
-      <thm15:themeFamily xmlns:thm15="http://schemas.microsoft.com/office/thememl/2012/main" xmlns="" name="Office Theme" id="{62F939B6-93AF-4DB8-9C6B-D6C7DFDC589F}" vid="{4A3C46E8-61CC-4603-A589-7422A47A8E4A}"/>
+      <thm15:themeFamily xmlns="" xmlns:thm15="http://schemas.microsoft.com/office/thememl/2012/main" name="Office Theme" id="{62F939B6-93AF-4DB8-9C6B-D6C7DFDC589F}" vid="{4A3C46E8-61CC-4603-A589-7422A47A8E4A}"/>
     </a:ext>
   </a:extLst>
 </a:theme>
